--- a/Presentaciones/Presentacion Unica.pptx
+++ b/Presentaciones/Presentacion Unica.pptx
@@ -15,6 +15,8 @@
     <p:sldId id="266" r:id="rId9"/>
     <p:sldId id="267" r:id="rId10"/>
     <p:sldId id="271" r:id="rId11"/>
+    <p:sldId id="272" r:id="rId12"/>
+    <p:sldId id="273" r:id="rId13"/>
   </p:sldIdLst>
   <p:sldSz cx="12192000" cy="6858000"/>
   <p:notesSz cx="6858000" cy="9144000"/>
@@ -113,6 +115,11 @@
       </a:defRPr>
     </a:lvl9pPr>
   </p:defaultTextStyle>
+  <p:extLst>
+    <p:ext uri="{EFAFB233-063F-42B5-8137-9DF3F51BA10A}">
+      <p15:sldGuideLst xmlns:p15="http://schemas.microsoft.com/office/powerpoint/2012/main"/>
+    </p:ext>
+  </p:extLst>
 </p:presentation>
 </file>
 
@@ -247,7 +254,7 @@
           <a:p>
             <a:fld id="{4F7B98B7-96D8-4B64-93F6-F9BC9DA0BBBC}" type="datetimeFigureOut">
               <a:rPr lang="es-MX" smtClean="0"/>
-              <a:t>03/11/2020</a:t>
+              <a:t>04/11/2020</a:t>
             </a:fld>
             <a:endParaRPr lang="es-MX"/>
           </a:p>
@@ -417,7 +424,7 @@
           <a:p>
             <a:fld id="{4F7B98B7-96D8-4B64-93F6-F9BC9DA0BBBC}" type="datetimeFigureOut">
               <a:rPr lang="es-MX" smtClean="0"/>
-              <a:t>03/11/2020</a:t>
+              <a:t>04/11/2020</a:t>
             </a:fld>
             <a:endParaRPr lang="es-MX"/>
           </a:p>
@@ -597,7 +604,7 @@
           <a:p>
             <a:fld id="{4F7B98B7-96D8-4B64-93F6-F9BC9DA0BBBC}" type="datetimeFigureOut">
               <a:rPr lang="es-MX" smtClean="0"/>
-              <a:t>03/11/2020</a:t>
+              <a:t>04/11/2020</a:t>
             </a:fld>
             <a:endParaRPr lang="es-MX"/>
           </a:p>
@@ -767,7 +774,7 @@
           <a:p>
             <a:fld id="{4F7B98B7-96D8-4B64-93F6-F9BC9DA0BBBC}" type="datetimeFigureOut">
               <a:rPr lang="es-MX" smtClean="0"/>
-              <a:t>03/11/2020</a:t>
+              <a:t>04/11/2020</a:t>
             </a:fld>
             <a:endParaRPr lang="es-MX"/>
           </a:p>
@@ -1013,7 +1020,7 @@
           <a:p>
             <a:fld id="{4F7B98B7-96D8-4B64-93F6-F9BC9DA0BBBC}" type="datetimeFigureOut">
               <a:rPr lang="es-MX" smtClean="0"/>
-              <a:t>03/11/2020</a:t>
+              <a:t>04/11/2020</a:t>
             </a:fld>
             <a:endParaRPr lang="es-MX"/>
           </a:p>
@@ -1245,7 +1252,7 @@
           <a:p>
             <a:fld id="{4F7B98B7-96D8-4B64-93F6-F9BC9DA0BBBC}" type="datetimeFigureOut">
               <a:rPr lang="es-MX" smtClean="0"/>
-              <a:t>03/11/2020</a:t>
+              <a:t>04/11/2020</a:t>
             </a:fld>
             <a:endParaRPr lang="es-MX"/>
           </a:p>
@@ -1612,7 +1619,7 @@
           <a:p>
             <a:fld id="{4F7B98B7-96D8-4B64-93F6-F9BC9DA0BBBC}" type="datetimeFigureOut">
               <a:rPr lang="es-MX" smtClean="0"/>
-              <a:t>03/11/2020</a:t>
+              <a:t>04/11/2020</a:t>
             </a:fld>
             <a:endParaRPr lang="es-MX"/>
           </a:p>
@@ -1730,7 +1737,7 @@
           <a:p>
             <a:fld id="{4F7B98B7-96D8-4B64-93F6-F9BC9DA0BBBC}" type="datetimeFigureOut">
               <a:rPr lang="es-MX" smtClean="0"/>
-              <a:t>03/11/2020</a:t>
+              <a:t>04/11/2020</a:t>
             </a:fld>
             <a:endParaRPr lang="es-MX"/>
           </a:p>
@@ -1825,7 +1832,7 @@
           <a:p>
             <a:fld id="{4F7B98B7-96D8-4B64-93F6-F9BC9DA0BBBC}" type="datetimeFigureOut">
               <a:rPr lang="es-MX" smtClean="0"/>
-              <a:t>03/11/2020</a:t>
+              <a:t>04/11/2020</a:t>
             </a:fld>
             <a:endParaRPr lang="es-MX"/>
           </a:p>
@@ -2102,7 +2109,7 @@
           <a:p>
             <a:fld id="{4F7B98B7-96D8-4B64-93F6-F9BC9DA0BBBC}" type="datetimeFigureOut">
               <a:rPr lang="es-MX" smtClean="0"/>
-              <a:t>03/11/2020</a:t>
+              <a:t>04/11/2020</a:t>
             </a:fld>
             <a:endParaRPr lang="es-MX"/>
           </a:p>
@@ -2355,7 +2362,7 @@
           <a:p>
             <a:fld id="{4F7B98B7-96D8-4B64-93F6-F9BC9DA0BBBC}" type="datetimeFigureOut">
               <a:rPr lang="es-MX" smtClean="0"/>
-              <a:t>03/11/2020</a:t>
+              <a:t>04/11/2020</a:t>
             </a:fld>
             <a:endParaRPr lang="es-MX"/>
           </a:p>
@@ -2573,7 +2580,7 @@
           <a:p>
             <a:fld id="{4F7B98B7-96D8-4B64-93F6-F9BC9DA0BBBC}" type="datetimeFigureOut">
               <a:rPr lang="es-MX" smtClean="0"/>
-              <a:t>03/11/2020</a:t>
+              <a:t>04/11/2020</a:t>
             </a:fld>
             <a:endParaRPr lang="es-MX"/>
           </a:p>
@@ -3324,6 +3331,156 @@
 </p:sld>
 </file>
 
+<file path=ppt/slides/slide11.xml><?xml version="1.0" encoding="utf-8"?>
+<p:sld xmlns:a="http://schemas.openxmlformats.org/drawingml/2006/main" xmlns:r="http://schemas.openxmlformats.org/officeDocument/2006/relationships" xmlns:p="http://schemas.openxmlformats.org/presentationml/2006/main">
+  <p:cSld>
+    <p:spTree>
+      <p:nvGrpSpPr>
+        <p:cNvPr id="1" name=""/>
+        <p:cNvGrpSpPr/>
+        <p:nvPr/>
+      </p:nvGrpSpPr>
+      <p:grpSpPr>
+        <a:xfrm>
+          <a:off x="0" y="0"/>
+          <a:ext cx="0" cy="0"/>
+          <a:chOff x="0" y="0"/>
+          <a:chExt cx="0" cy="0"/>
+        </a:xfrm>
+      </p:grpSpPr>
+      <p:sp>
+        <p:nvSpPr>
+          <p:cNvPr id="2" name="Título 1"/>
+          <p:cNvSpPr>
+            <a:spLocks noGrp="1"/>
+          </p:cNvSpPr>
+          <p:nvPr>
+            <p:ph type="title"/>
+          </p:nvPr>
+        </p:nvSpPr>
+        <p:spPr>
+          <a:xfrm>
+            <a:off x="838200" y="365125"/>
+            <a:ext cx="10515600" cy="6009917"/>
+          </a:xfrm>
+          <a:noFill/>
+        </p:spPr>
+        <p:txBody>
+          <a:bodyPr>
+            <a:noAutofit/>
+          </a:bodyPr>
+          <a:lstStyle/>
+          <a:p>
+            <a:pPr algn="ctr"/>
+            <a:r>
+              <a:rPr lang="es-MX" sz="11500" b="1" dirty="0" smtClean="0">
+                <a:solidFill>
+                  <a:srgbClr val="0070C0"/>
+                </a:solidFill>
+                <a:latin typeface="HP Simplified Light" panose="020B0406020204020204" pitchFamily="34" charset="0"/>
+              </a:rPr>
+              <a:t>AUTENTICACIÓN</a:t>
+            </a:r>
+            <a:endParaRPr lang="es-MX" sz="16600" b="1" dirty="0">
+              <a:solidFill>
+                <a:srgbClr val="0070C0"/>
+              </a:solidFill>
+              <a:latin typeface="HP Simplified Light" panose="020B0406020204020204" pitchFamily="34" charset="0"/>
+            </a:endParaRPr>
+          </a:p>
+        </p:txBody>
+      </p:sp>
+    </p:spTree>
+    <p:extLst>
+      <p:ext uri="{BB962C8B-B14F-4D97-AF65-F5344CB8AC3E}">
+        <p14:creationId xmlns:p14="http://schemas.microsoft.com/office/powerpoint/2010/main" val="2575438593"/>
+      </p:ext>
+    </p:extLst>
+  </p:cSld>
+  <p:clrMapOvr>
+    <a:masterClrMapping/>
+  </p:clrMapOvr>
+</p:sld>
+</file>
+
+<file path=ppt/slides/slide12.xml><?xml version="1.0" encoding="utf-8"?>
+<p:sld xmlns:a="http://schemas.openxmlformats.org/drawingml/2006/main" xmlns:r="http://schemas.openxmlformats.org/officeDocument/2006/relationships" xmlns:p="http://schemas.openxmlformats.org/presentationml/2006/main">
+  <p:cSld>
+    <p:spTree>
+      <p:nvGrpSpPr>
+        <p:cNvPr id="1" name=""/>
+        <p:cNvGrpSpPr/>
+        <p:nvPr/>
+      </p:nvGrpSpPr>
+      <p:grpSpPr>
+        <a:xfrm>
+          <a:off x="0" y="0"/>
+          <a:ext cx="0" cy="0"/>
+          <a:chOff x="0" y="0"/>
+          <a:chExt cx="0" cy="0"/>
+        </a:xfrm>
+      </p:grpSpPr>
+      <p:pic>
+        <p:nvPicPr>
+          <p:cNvPr id="2" name="Imagen 1"/>
+          <p:cNvPicPr>
+            <a:picLocks noChangeAspect="1"/>
+          </p:cNvPicPr>
+          <p:nvPr/>
+        </p:nvPicPr>
+        <p:blipFill>
+          <a:blip r:embed="rId2"/>
+          <a:stretch>
+            <a:fillRect/>
+          </a:stretch>
+        </p:blipFill>
+        <p:spPr>
+          <a:xfrm>
+            <a:off x="246516" y="335237"/>
+            <a:ext cx="3933176" cy="922063"/>
+          </a:xfrm>
+          <a:prstGeom prst="rect">
+            <a:avLst/>
+          </a:prstGeom>
+        </p:spPr>
+      </p:pic>
+      <p:pic>
+        <p:nvPicPr>
+          <p:cNvPr id="3" name="Imagen 2"/>
+          <p:cNvPicPr>
+            <a:picLocks noChangeAspect="1"/>
+          </p:cNvPicPr>
+          <p:nvPr/>
+        </p:nvPicPr>
+        <p:blipFill>
+          <a:blip r:embed="rId3"/>
+          <a:stretch>
+            <a:fillRect/>
+          </a:stretch>
+        </p:blipFill>
+        <p:spPr>
+          <a:xfrm>
+            <a:off x="2441076" y="1638002"/>
+            <a:ext cx="6211167" cy="4267796"/>
+          </a:xfrm>
+          <a:prstGeom prst="rect">
+            <a:avLst/>
+          </a:prstGeom>
+        </p:spPr>
+      </p:pic>
+    </p:spTree>
+    <p:extLst>
+      <p:ext uri="{BB962C8B-B14F-4D97-AF65-F5344CB8AC3E}">
+        <p14:creationId xmlns:p14="http://schemas.microsoft.com/office/powerpoint/2010/main" val="202229059"/>
+      </p:ext>
+    </p:extLst>
+  </p:cSld>
+  <p:clrMapOvr>
+    <a:masterClrMapping/>
+  </p:clrMapOvr>
+</p:sld>
+</file>
+
 <file path=ppt/slides/slide2.xml><?xml version="1.0" encoding="utf-8"?>
 <p:sld xmlns:a="http://schemas.openxmlformats.org/drawingml/2006/main" xmlns:r="http://schemas.openxmlformats.org/officeDocument/2006/relationships" xmlns:p="http://schemas.openxmlformats.org/presentationml/2006/main">
   <p:cSld>

--- a/Presentaciones/Presentacion Unica.pptx
+++ b/Presentaciones/Presentacion Unica.pptx
@@ -16,7 +16,9 @@
     <p:sldId id="267" r:id="rId10"/>
     <p:sldId id="271" r:id="rId11"/>
     <p:sldId id="272" r:id="rId12"/>
-    <p:sldId id="273" r:id="rId13"/>
+    <p:sldId id="277" r:id="rId13"/>
+    <p:sldId id="274" r:id="rId14"/>
+    <p:sldId id="275" r:id="rId15"/>
   </p:sldIdLst>
   <p:sldSz cx="12192000" cy="6858000"/>
   <p:notesSz cx="6858000" cy="9144000"/>
@@ -3198,7 +3200,7 @@
         <p:spPr>
           <a:xfrm>
             <a:off x="463639" y="348143"/>
-            <a:ext cx="10348217" cy="1323439"/>
+            <a:ext cx="10521342" cy="1323439"/>
           </a:xfrm>
           <a:prstGeom prst="rect">
             <a:avLst/>
@@ -3211,9 +3213,6 @@
           </a:bodyPr>
           <a:lstStyle/>
           <a:p>
-            <a:pPr marL="742950" indent="-742950">
-              <a:buAutoNum type="arabicPeriod"/>
-            </a:pPr>
             <a:r>
               <a:rPr lang="es-MX" sz="3600" dirty="0" smtClean="0">
                 <a:solidFill>
@@ -3221,7 +3220,16 @@
                 </a:solidFill>
                 <a:latin typeface="HP Simplified Light" panose="020B0406020204020204" pitchFamily="34" charset="0"/>
               </a:rPr>
-              <a:t>Poner las reglas públicas para poder hacer pruebas</a:t>
+              <a:t>3.	Poner </a:t>
+            </a:r>
+            <a:r>
+              <a:rPr lang="es-MX" sz="3600" dirty="0" smtClean="0">
+                <a:solidFill>
+                  <a:srgbClr val="0070C0"/>
+                </a:solidFill>
+                <a:latin typeface="HP Simplified Light" panose="020B0406020204020204" pitchFamily="34" charset="0"/>
+              </a:rPr>
+              <a:t>las reglas públicas para poder hacer pruebas</a:t>
             </a:r>
           </a:p>
           <a:p>
@@ -3420,6 +3428,456 @@
           <a:chExt cx="0" cy="0"/>
         </a:xfrm>
       </p:grpSpPr>
+      <p:sp>
+        <p:nvSpPr>
+          <p:cNvPr id="3" name="CuadroTexto 2"/>
+          <p:cNvSpPr txBox="1"/>
+          <p:nvPr/>
+        </p:nvSpPr>
+        <p:spPr>
+          <a:xfrm>
+            <a:off x="643944" y="489397"/>
+            <a:ext cx="10715222" cy="1569660"/>
+          </a:xfrm>
+          <a:prstGeom prst="rect">
+            <a:avLst/>
+          </a:prstGeom>
+          <a:noFill/>
+        </p:spPr>
+        <p:txBody>
+          <a:bodyPr wrap="square" rtlCol="0">
+            <a:spAutoFit/>
+          </a:bodyPr>
+          <a:lstStyle/>
+          <a:p>
+            <a:pPr algn="ctr"/>
+            <a:r>
+              <a:rPr lang="es-MX" sz="9600" dirty="0" smtClean="0">
+                <a:solidFill>
+                  <a:srgbClr val="0070C0"/>
+                </a:solidFill>
+                <a:latin typeface="HP Simplified Light" panose="020B0406020204020204" pitchFamily="34" charset="0"/>
+              </a:rPr>
+              <a:t>EMAIL</a:t>
+            </a:r>
+            <a:endParaRPr lang="es-MX" sz="9600" dirty="0">
+              <a:solidFill>
+                <a:srgbClr val="0070C0"/>
+              </a:solidFill>
+              <a:latin typeface="HP Simplified Light" panose="020B0406020204020204" pitchFamily="34" charset="0"/>
+            </a:endParaRPr>
+          </a:p>
+        </p:txBody>
+      </p:sp>
+      <p:sp>
+        <p:nvSpPr>
+          <p:cNvPr id="4" name="Rectángulo 3"/>
+          <p:cNvSpPr/>
+          <p:nvPr/>
+        </p:nvSpPr>
+        <p:spPr>
+          <a:xfrm>
+            <a:off x="880259" y="2049818"/>
+            <a:ext cx="10478907" cy="707886"/>
+          </a:xfrm>
+          <a:prstGeom prst="rect">
+            <a:avLst/>
+          </a:prstGeom>
+        </p:spPr>
+        <p:txBody>
+          <a:bodyPr wrap="square">
+            <a:spAutoFit/>
+          </a:bodyPr>
+          <a:lstStyle/>
+          <a:p>
+            <a:pPr algn="just"/>
+            <a:r>
+              <a:rPr lang="es-MX" sz="2000" b="0" i="0" dirty="0" smtClean="0">
+                <a:effectLst/>
+                <a:latin typeface="HP Simplified Light" panose="020B0406020204020204" pitchFamily="34" charset="0"/>
+              </a:rPr>
+              <a:t>Cloud </a:t>
+            </a:r>
+            <a:r>
+              <a:rPr lang="es-MX" sz="2000" b="0" i="0" dirty="0" err="1" smtClean="0">
+                <a:effectLst/>
+                <a:latin typeface="HP Simplified Light" panose="020B0406020204020204" pitchFamily="34" charset="0"/>
+              </a:rPr>
+              <a:t>Firestore</a:t>
+            </a:r>
+            <a:r>
+              <a:rPr lang="es-MX" sz="2000" b="0" i="0" dirty="0" smtClean="0">
+                <a:effectLst/>
+                <a:latin typeface="HP Simplified Light" panose="020B0406020204020204" pitchFamily="34" charset="0"/>
+              </a:rPr>
+              <a:t> es una base de datos de documentos </a:t>
+            </a:r>
+            <a:r>
+              <a:rPr lang="es-MX" sz="2000" b="0" i="0" dirty="0" err="1" smtClean="0">
+                <a:effectLst/>
+                <a:latin typeface="HP Simplified Light" panose="020B0406020204020204" pitchFamily="34" charset="0"/>
+              </a:rPr>
+              <a:t>NoSQL</a:t>
+            </a:r>
+            <a:r>
+              <a:rPr lang="es-MX" sz="2000" b="0" i="0" dirty="0" smtClean="0">
+                <a:effectLst/>
+                <a:latin typeface="HP Simplified Light" panose="020B0406020204020204" pitchFamily="34" charset="0"/>
+              </a:rPr>
+              <a:t> que permite almacenar, sincronizar y consultar fácilmente datos para tus apps móviles y web a escala global.</a:t>
+            </a:r>
+            <a:endParaRPr lang="es-MX" sz="2000" dirty="0">
+              <a:latin typeface="HP Simplified Light" panose="020B0406020204020204" pitchFamily="34" charset="0"/>
+            </a:endParaRPr>
+          </a:p>
+        </p:txBody>
+      </p:sp>
+      <p:pic>
+        <p:nvPicPr>
+          <p:cNvPr id="7" name="Imagen 6"/>
+          <p:cNvPicPr>
+            <a:picLocks noChangeAspect="1"/>
+          </p:cNvPicPr>
+          <p:nvPr/>
+        </p:nvPicPr>
+        <p:blipFill>
+          <a:blip r:embed="rId2"/>
+          <a:stretch>
+            <a:fillRect/>
+          </a:stretch>
+        </p:blipFill>
+        <p:spPr>
+          <a:xfrm>
+            <a:off x="720246" y="2757704"/>
+            <a:ext cx="10562617" cy="3010015"/>
+          </a:xfrm>
+          <a:prstGeom prst="rect">
+            <a:avLst/>
+          </a:prstGeom>
+        </p:spPr>
+      </p:pic>
+      <p:sp>
+        <p:nvSpPr>
+          <p:cNvPr id="8" name="Rectángulo 7"/>
+          <p:cNvSpPr/>
+          <p:nvPr/>
+        </p:nvSpPr>
+        <p:spPr>
+          <a:xfrm>
+            <a:off x="4250028" y="6338433"/>
+            <a:ext cx="7941972" cy="338554"/>
+          </a:xfrm>
+          <a:prstGeom prst="rect">
+            <a:avLst/>
+          </a:prstGeom>
+        </p:spPr>
+        <p:txBody>
+          <a:bodyPr wrap="square">
+            <a:spAutoFit/>
+          </a:bodyPr>
+          <a:lstStyle/>
+          <a:p>
+            <a:r>
+              <a:rPr lang="es-MX" sz="1600" dirty="0">
+                <a:latin typeface="HP Simplified Light" panose="020B0406020204020204" pitchFamily="34" charset="0"/>
+              </a:rPr>
+              <a:t>https://firebase.google.com/docs/auth/web/start?authuser=0#connect_your_app_to_firebase</a:t>
+            </a:r>
+          </a:p>
+        </p:txBody>
+      </p:sp>
+    </p:spTree>
+    <p:extLst>
+      <p:ext uri="{BB962C8B-B14F-4D97-AF65-F5344CB8AC3E}">
+        <p14:creationId xmlns:p14="http://schemas.microsoft.com/office/powerpoint/2010/main" val="3195863212"/>
+      </p:ext>
+    </p:extLst>
+  </p:cSld>
+  <p:clrMapOvr>
+    <a:masterClrMapping/>
+  </p:clrMapOvr>
+</p:sld>
+</file>
+
+<file path=ppt/slides/slide13.xml><?xml version="1.0" encoding="utf-8"?>
+<p:sld xmlns:a="http://schemas.openxmlformats.org/drawingml/2006/main" xmlns:r="http://schemas.openxmlformats.org/officeDocument/2006/relationships" xmlns:p="http://schemas.openxmlformats.org/presentationml/2006/main">
+  <p:cSld>
+    <p:spTree>
+      <p:nvGrpSpPr>
+        <p:cNvPr id="1" name=""/>
+        <p:cNvGrpSpPr/>
+        <p:nvPr/>
+      </p:nvGrpSpPr>
+      <p:grpSpPr>
+        <a:xfrm>
+          <a:off x="0" y="0"/>
+          <a:ext cx="0" cy="0"/>
+          <a:chOff x="0" y="0"/>
+          <a:chExt cx="0" cy="0"/>
+        </a:xfrm>
+      </p:grpSpPr>
+      <p:sp>
+        <p:nvSpPr>
+          <p:cNvPr id="4" name="CuadroTexto 3"/>
+          <p:cNvSpPr txBox="1"/>
+          <p:nvPr/>
+        </p:nvSpPr>
+        <p:spPr>
+          <a:xfrm>
+            <a:off x="724540" y="356630"/>
+            <a:ext cx="10375789" cy="1877437"/>
+          </a:xfrm>
+          <a:prstGeom prst="rect">
+            <a:avLst/>
+          </a:prstGeom>
+          <a:noFill/>
+        </p:spPr>
+        <p:txBody>
+          <a:bodyPr wrap="none" rtlCol="0">
+            <a:spAutoFit/>
+          </a:bodyPr>
+          <a:lstStyle/>
+          <a:p>
+            <a:r>
+              <a:rPr lang="es-MX" sz="3600" dirty="0" smtClean="0">
+                <a:solidFill>
+                  <a:srgbClr val="0070C0"/>
+                </a:solidFill>
+                <a:latin typeface="HP Simplified Light" panose="020B0406020204020204" pitchFamily="34" charset="0"/>
+              </a:rPr>
+              <a:t>1.	Configurar Entorno de desarrollo</a:t>
+            </a:r>
+          </a:p>
+          <a:p>
+            <a:r>
+              <a:rPr lang="es-MX" sz="2400" dirty="0" smtClean="0">
+                <a:latin typeface="HP Simplified Light" panose="020B0406020204020204" pitchFamily="34" charset="0"/>
+              </a:rPr>
+              <a:t>		</a:t>
+            </a:r>
+            <a:r>
+              <a:rPr lang="es-MX" sz="2000" dirty="0">
+                <a:latin typeface="HP Simplified Light" panose="020B0406020204020204" pitchFamily="34" charset="0"/>
+              </a:rPr>
+              <a:t>&lt;script </a:t>
+            </a:r>
+            <a:r>
+              <a:rPr lang="es-MX" sz="2000" dirty="0" err="1">
+                <a:latin typeface="HP Simplified Light" panose="020B0406020204020204" pitchFamily="34" charset="0"/>
+              </a:rPr>
+              <a:t>src</a:t>
+            </a:r>
+            <a:r>
+              <a:rPr lang="es-MX" sz="2000" dirty="0">
+                <a:latin typeface="HP Simplified Light" panose="020B0406020204020204" pitchFamily="34" charset="0"/>
+              </a:rPr>
+              <a:t>="https://www.gstatic.com/firebasejs/6.2.0/firebase-auth.js"&gt;&lt;/script&gt;</a:t>
+            </a:r>
+          </a:p>
+          <a:p>
+            <a:r>
+              <a:rPr lang="es-MX" sz="3600" dirty="0" smtClean="0">
+                <a:solidFill>
+                  <a:srgbClr val="0070C0"/>
+                </a:solidFill>
+                <a:latin typeface="HP Simplified Light" panose="020B0406020204020204" pitchFamily="34" charset="0"/>
+              </a:rPr>
+              <a:t>2</a:t>
+            </a:r>
+            <a:r>
+              <a:rPr lang="es-MX" sz="3600" dirty="0" smtClean="0">
+                <a:solidFill>
+                  <a:srgbClr val="0070C0"/>
+                </a:solidFill>
+                <a:latin typeface="HP Simplified Light" panose="020B0406020204020204" pitchFamily="34" charset="0"/>
+              </a:rPr>
+              <a:t>.	Inicializa </a:t>
+            </a:r>
+            <a:r>
+              <a:rPr lang="es-MX" sz="3600" dirty="0" err="1" smtClean="0">
+                <a:solidFill>
+                  <a:srgbClr val="0070C0"/>
+                </a:solidFill>
+                <a:latin typeface="HP Simplified Light" panose="020B0406020204020204" pitchFamily="34" charset="0"/>
+              </a:rPr>
+              <a:t>Authentication</a:t>
+            </a:r>
+            <a:endParaRPr lang="es-MX" sz="2000" dirty="0" smtClean="0">
+              <a:latin typeface="HP Simplified Light" panose="020B0406020204020204" pitchFamily="34" charset="0"/>
+            </a:endParaRPr>
+          </a:p>
+          <a:p>
+            <a:pPr lvl="4"/>
+            <a:r>
+              <a:rPr lang="es-MX" sz="2000" dirty="0" err="1" smtClean="0">
+                <a:latin typeface="HP Simplified Light" panose="020B0406020204020204" pitchFamily="34" charset="0"/>
+              </a:rPr>
+              <a:t>const</a:t>
+            </a:r>
+            <a:r>
+              <a:rPr lang="es-MX" sz="2000" dirty="0" smtClean="0">
+                <a:latin typeface="HP Simplified Light" panose="020B0406020204020204" pitchFamily="34" charset="0"/>
+              </a:rPr>
+              <a:t> </a:t>
+            </a:r>
+            <a:r>
+              <a:rPr lang="es-MX" sz="2000" dirty="0" err="1" smtClean="0">
+                <a:latin typeface="HP Simplified Light" panose="020B0406020204020204" pitchFamily="34" charset="0"/>
+              </a:rPr>
+              <a:t>auth</a:t>
+            </a:r>
+            <a:r>
+              <a:rPr lang="es-MX" sz="2000" dirty="0" smtClean="0">
+                <a:latin typeface="HP Simplified Light" panose="020B0406020204020204" pitchFamily="34" charset="0"/>
+              </a:rPr>
+              <a:t> </a:t>
+            </a:r>
+            <a:r>
+              <a:rPr lang="es-MX" sz="2000" dirty="0" smtClean="0">
+                <a:latin typeface="HP Simplified Light" panose="020B0406020204020204" pitchFamily="34" charset="0"/>
+              </a:rPr>
+              <a:t>= </a:t>
+            </a:r>
+            <a:r>
+              <a:rPr lang="es-MX" sz="2000" dirty="0" err="1" smtClean="0">
+                <a:latin typeface="HP Simplified Light" panose="020B0406020204020204" pitchFamily="34" charset="0"/>
+              </a:rPr>
+              <a:t>firebase.auth</a:t>
+            </a:r>
+            <a:r>
+              <a:rPr lang="es-MX" sz="2000" dirty="0" smtClean="0">
+                <a:latin typeface="HP Simplified Light" panose="020B0406020204020204" pitchFamily="34" charset="0"/>
+              </a:rPr>
+              <a:t>();</a:t>
+            </a:r>
+            <a:endParaRPr lang="es-MX" sz="2000" dirty="0" smtClean="0">
+              <a:latin typeface="HP Simplified Light" panose="020B0406020204020204" pitchFamily="34" charset="0"/>
+            </a:endParaRPr>
+          </a:p>
+        </p:txBody>
+      </p:sp>
+      <p:pic>
+        <p:nvPicPr>
+          <p:cNvPr id="5" name="Imagen 4"/>
+          <p:cNvPicPr>
+            <a:picLocks noChangeAspect="1"/>
+          </p:cNvPicPr>
+          <p:nvPr/>
+        </p:nvPicPr>
+        <p:blipFill>
+          <a:blip r:embed="rId2">
+            <a:clrChange>
+              <a:clrFrom>
+                <a:srgbClr val="FFFFFF"/>
+              </a:clrFrom>
+              <a:clrTo>
+                <a:srgbClr val="FFFFFF">
+                  <a:alpha val="0"/>
+                </a:srgbClr>
+              </a:clrTo>
+            </a:clrChange>
+          </a:blip>
+          <a:stretch>
+            <a:fillRect/>
+          </a:stretch>
+        </p:blipFill>
+        <p:spPr>
+          <a:xfrm>
+            <a:off x="1057885" y="3658362"/>
+            <a:ext cx="3933176" cy="922063"/>
+          </a:xfrm>
+          <a:prstGeom prst="rect">
+            <a:avLst/>
+          </a:prstGeom>
+        </p:spPr>
+      </p:pic>
+      <p:pic>
+        <p:nvPicPr>
+          <p:cNvPr id="6" name="Imagen 5"/>
+          <p:cNvPicPr>
+            <a:picLocks noChangeAspect="1"/>
+          </p:cNvPicPr>
+          <p:nvPr/>
+        </p:nvPicPr>
+        <p:blipFill>
+          <a:blip r:embed="rId3"/>
+          <a:stretch>
+            <a:fillRect/>
+          </a:stretch>
+        </p:blipFill>
+        <p:spPr>
+          <a:xfrm>
+            <a:off x="5480490" y="2234067"/>
+            <a:ext cx="6211167" cy="4267796"/>
+          </a:xfrm>
+          <a:prstGeom prst="rect">
+            <a:avLst/>
+          </a:prstGeom>
+        </p:spPr>
+      </p:pic>
+      <p:cxnSp>
+        <p:nvCxnSpPr>
+          <p:cNvPr id="8" name="Conector recto de flecha 7"/>
+          <p:cNvCxnSpPr/>
+          <p:nvPr/>
+        </p:nvCxnSpPr>
+        <p:spPr>
+          <a:xfrm>
+            <a:off x="4713668" y="4095482"/>
+            <a:ext cx="766822" cy="0"/>
+          </a:xfrm>
+          <a:prstGeom prst="straightConnector1">
+            <a:avLst/>
+          </a:prstGeom>
+          <a:ln>
+            <a:tailEnd type="triangle"/>
+          </a:ln>
+        </p:spPr>
+        <p:style>
+          <a:lnRef idx="1">
+            <a:schemeClr val="dk1"/>
+          </a:lnRef>
+          <a:fillRef idx="0">
+            <a:schemeClr val="dk1"/>
+          </a:fillRef>
+          <a:effectRef idx="0">
+            <a:schemeClr val="dk1"/>
+          </a:effectRef>
+          <a:fontRef idx="minor">
+            <a:schemeClr val="tx1"/>
+          </a:fontRef>
+        </p:style>
+      </p:cxnSp>
+    </p:spTree>
+    <p:extLst>
+      <p:ext uri="{BB962C8B-B14F-4D97-AF65-F5344CB8AC3E}">
+        <p14:creationId xmlns:p14="http://schemas.microsoft.com/office/powerpoint/2010/main" val="411568886"/>
+      </p:ext>
+    </p:extLst>
+  </p:cSld>
+  <p:clrMapOvr>
+    <a:masterClrMapping/>
+  </p:clrMapOvr>
+</p:sld>
+</file>
+
+<file path=ppt/slides/slide14.xml><?xml version="1.0" encoding="utf-8"?>
+<p:sld xmlns:a="http://schemas.openxmlformats.org/drawingml/2006/main" xmlns:r="http://schemas.openxmlformats.org/officeDocument/2006/relationships" xmlns:p="http://schemas.openxmlformats.org/presentationml/2006/main">
+  <p:cSld>
+    <p:spTree>
+      <p:nvGrpSpPr>
+        <p:cNvPr id="1" name=""/>
+        <p:cNvGrpSpPr/>
+        <p:nvPr/>
+      </p:nvGrpSpPr>
+      <p:grpSpPr>
+        <a:xfrm>
+          <a:off x="0" y="0"/>
+          <a:ext cx="0" cy="0"/>
+          <a:chOff x="0" y="0"/>
+          <a:chExt cx="0" cy="0"/>
+        </a:xfrm>
+      </p:grpSpPr>
       <p:pic>
         <p:nvPicPr>
           <p:cNvPr id="2" name="Imagen 1"/>
@@ -3436,8 +3894,8 @@
         </p:blipFill>
         <p:spPr>
           <a:xfrm>
-            <a:off x="246516" y="335237"/>
-            <a:ext cx="3933176" cy="922063"/>
+            <a:off x="959074" y="1248440"/>
+            <a:ext cx="3524742" cy="1038370"/>
           </a:xfrm>
           <a:prstGeom prst="rect">
             <a:avLst/>
@@ -3460,8 +3918,97 @@
         </p:blipFill>
         <p:spPr>
           <a:xfrm>
-            <a:off x="2441076" y="1638002"/>
-            <a:ext cx="6211167" cy="4267796"/>
+            <a:off x="368903" y="2643337"/>
+            <a:ext cx="5313888" cy="3280945"/>
+          </a:xfrm>
+          <a:prstGeom prst="rect">
+            <a:avLst/>
+          </a:prstGeom>
+        </p:spPr>
+      </p:pic>
+      <p:pic>
+        <p:nvPicPr>
+          <p:cNvPr id="4" name="Imagen 3"/>
+          <p:cNvPicPr>
+            <a:picLocks noChangeAspect="1"/>
+          </p:cNvPicPr>
+          <p:nvPr/>
+        </p:nvPicPr>
+        <p:blipFill>
+          <a:blip r:embed="rId4"/>
+          <a:stretch>
+            <a:fillRect/>
+          </a:stretch>
+        </p:blipFill>
+        <p:spPr>
+          <a:xfrm>
+            <a:off x="7483823" y="1581760"/>
+            <a:ext cx="3019846" cy="800212"/>
+          </a:xfrm>
+          <a:prstGeom prst="rect">
+            <a:avLst/>
+          </a:prstGeom>
+        </p:spPr>
+      </p:pic>
+      <p:sp>
+        <p:nvSpPr>
+          <p:cNvPr id="5" name="CuadroTexto 4"/>
+          <p:cNvSpPr txBox="1"/>
+          <p:nvPr/>
+        </p:nvSpPr>
+        <p:spPr>
+          <a:xfrm>
+            <a:off x="643944" y="489397"/>
+            <a:ext cx="5950039" cy="830997"/>
+          </a:xfrm>
+          <a:prstGeom prst="rect">
+            <a:avLst/>
+          </a:prstGeom>
+          <a:noFill/>
+        </p:spPr>
+        <p:txBody>
+          <a:bodyPr wrap="square" rtlCol="0">
+            <a:spAutoFit/>
+          </a:bodyPr>
+          <a:lstStyle/>
+          <a:p>
+            <a:pPr algn="ctr"/>
+            <a:r>
+              <a:rPr lang="es-MX" sz="4800" dirty="0" smtClean="0">
+                <a:solidFill>
+                  <a:srgbClr val="0070C0"/>
+                </a:solidFill>
+                <a:latin typeface="HP Simplified Light" panose="020B0406020204020204" pitchFamily="34" charset="0"/>
+              </a:rPr>
+              <a:t>Personalizar mensajes</a:t>
+            </a:r>
+            <a:endParaRPr lang="es-MX" sz="4800" dirty="0">
+              <a:solidFill>
+                <a:srgbClr val="0070C0"/>
+              </a:solidFill>
+              <a:latin typeface="HP Simplified Light" panose="020B0406020204020204" pitchFamily="34" charset="0"/>
+            </a:endParaRPr>
+          </a:p>
+        </p:txBody>
+      </p:sp>
+      <p:pic>
+        <p:nvPicPr>
+          <p:cNvPr id="6" name="Imagen 5"/>
+          <p:cNvPicPr>
+            <a:picLocks noChangeAspect="1"/>
+          </p:cNvPicPr>
+          <p:nvPr/>
+        </p:nvPicPr>
+        <p:blipFill>
+          <a:blip r:embed="rId5"/>
+          <a:stretch>
+            <a:fillRect/>
+          </a:stretch>
+        </p:blipFill>
+        <p:spPr>
+          <a:xfrm>
+            <a:off x="5682791" y="2381972"/>
+            <a:ext cx="6393102" cy="3981373"/>
           </a:xfrm>
           <a:prstGeom prst="rect">
             <a:avLst/>
@@ -3471,7 +4018,7 @@
     </p:spTree>
     <p:extLst>
       <p:ext uri="{BB962C8B-B14F-4D97-AF65-F5344CB8AC3E}">
-        <p14:creationId xmlns:p14="http://schemas.microsoft.com/office/powerpoint/2010/main" val="202229059"/>
+        <p14:creationId xmlns:p14="http://schemas.microsoft.com/office/powerpoint/2010/main" val="2784833899"/>
       </p:ext>
     </p:extLst>
   </p:cSld>
@@ -5017,7 +5564,7 @@
               <a:rPr lang="es-MX" sz="2000" dirty="0" err="1" smtClean="0">
                 <a:latin typeface="HP Simplified Light" panose="020B0406020204020204" pitchFamily="34" charset="0"/>
               </a:rPr>
-              <a:t>var</a:t>
+              <a:t>const</a:t>
             </a:r>
             <a:r>
               <a:rPr lang="es-MX" sz="2000" dirty="0" smtClean="0">
